--- a/PPT 제출하는 폴더/201413117 김재령 0415 작업물 모음.pptx
+++ b/PPT 제출하는 폴더/201413117 김재령 0415 작업물 모음.pptx
@@ -107,6 +107,11 @@
       </a:defRPr>
     </a:lvl9pPr>
   </p:defaultTextStyle>
+  <p:extLst>
+    <p:ext uri="{EFAFB233-063F-42B5-8137-9DF3F51BA10A}">
+      <p15:sldGuideLst xmlns:p15="http://schemas.microsoft.com/office/powerpoint/2012/main"/>
+    </p:ext>
+  </p:extLst>
 </p:presentation>
 </file>
 
@@ -241,7 +246,7 @@
           <a:p>
             <a:fld id="{BC4BD909-28EA-4943-A987-A1A5A2CD6CEC}" type="datetimeFigureOut">
               <a:rPr lang="ko-KR" altLang="en-US" smtClean="0"/>
-              <a:t>2019-04-15</a:t>
+              <a:t>2019-04-16</a:t>
             </a:fld>
             <a:endParaRPr lang="ko-KR" altLang="en-US"/>
           </a:p>
@@ -411,7 +416,7 @@
           <a:p>
             <a:fld id="{BC4BD909-28EA-4943-A987-A1A5A2CD6CEC}" type="datetimeFigureOut">
               <a:rPr lang="ko-KR" altLang="en-US" smtClean="0"/>
-              <a:t>2019-04-15</a:t>
+              <a:t>2019-04-16</a:t>
             </a:fld>
             <a:endParaRPr lang="ko-KR" altLang="en-US"/>
           </a:p>
@@ -591,7 +596,7 @@
           <a:p>
             <a:fld id="{BC4BD909-28EA-4943-A987-A1A5A2CD6CEC}" type="datetimeFigureOut">
               <a:rPr lang="ko-KR" altLang="en-US" smtClean="0"/>
-              <a:t>2019-04-15</a:t>
+              <a:t>2019-04-16</a:t>
             </a:fld>
             <a:endParaRPr lang="ko-KR" altLang="en-US"/>
           </a:p>
@@ -761,7 +766,7 @@
           <a:p>
             <a:fld id="{BC4BD909-28EA-4943-A987-A1A5A2CD6CEC}" type="datetimeFigureOut">
               <a:rPr lang="ko-KR" altLang="en-US" smtClean="0"/>
-              <a:t>2019-04-15</a:t>
+              <a:t>2019-04-16</a:t>
             </a:fld>
             <a:endParaRPr lang="ko-KR" altLang="en-US"/>
           </a:p>
@@ -1007,7 +1012,7 @@
           <a:p>
             <a:fld id="{BC4BD909-28EA-4943-A987-A1A5A2CD6CEC}" type="datetimeFigureOut">
               <a:rPr lang="ko-KR" altLang="en-US" smtClean="0"/>
-              <a:t>2019-04-15</a:t>
+              <a:t>2019-04-16</a:t>
             </a:fld>
             <a:endParaRPr lang="ko-KR" altLang="en-US"/>
           </a:p>
@@ -1239,7 +1244,7 @@
           <a:p>
             <a:fld id="{BC4BD909-28EA-4943-A987-A1A5A2CD6CEC}" type="datetimeFigureOut">
               <a:rPr lang="ko-KR" altLang="en-US" smtClean="0"/>
-              <a:t>2019-04-15</a:t>
+              <a:t>2019-04-16</a:t>
             </a:fld>
             <a:endParaRPr lang="ko-KR" altLang="en-US"/>
           </a:p>
@@ -1606,7 +1611,7 @@
           <a:p>
             <a:fld id="{BC4BD909-28EA-4943-A987-A1A5A2CD6CEC}" type="datetimeFigureOut">
               <a:rPr lang="ko-KR" altLang="en-US" smtClean="0"/>
-              <a:t>2019-04-15</a:t>
+              <a:t>2019-04-16</a:t>
             </a:fld>
             <a:endParaRPr lang="ko-KR" altLang="en-US"/>
           </a:p>
@@ -1724,7 +1729,7 @@
           <a:p>
             <a:fld id="{BC4BD909-28EA-4943-A987-A1A5A2CD6CEC}" type="datetimeFigureOut">
               <a:rPr lang="ko-KR" altLang="en-US" smtClean="0"/>
-              <a:t>2019-04-15</a:t>
+              <a:t>2019-04-16</a:t>
             </a:fld>
             <a:endParaRPr lang="ko-KR" altLang="en-US"/>
           </a:p>
@@ -1819,7 +1824,7 @@
           <a:p>
             <a:fld id="{BC4BD909-28EA-4943-A987-A1A5A2CD6CEC}" type="datetimeFigureOut">
               <a:rPr lang="ko-KR" altLang="en-US" smtClean="0"/>
-              <a:t>2019-04-15</a:t>
+              <a:t>2019-04-16</a:t>
             </a:fld>
             <a:endParaRPr lang="ko-KR" altLang="en-US"/>
           </a:p>
@@ -2096,7 +2101,7 @@
           <a:p>
             <a:fld id="{BC4BD909-28EA-4943-A987-A1A5A2CD6CEC}" type="datetimeFigureOut">
               <a:rPr lang="ko-KR" altLang="en-US" smtClean="0"/>
-              <a:t>2019-04-15</a:t>
+              <a:t>2019-04-16</a:t>
             </a:fld>
             <a:endParaRPr lang="ko-KR" altLang="en-US"/>
           </a:p>
@@ -2349,7 +2354,7 @@
           <a:p>
             <a:fld id="{BC4BD909-28EA-4943-A987-A1A5A2CD6CEC}" type="datetimeFigureOut">
               <a:rPr lang="ko-KR" altLang="en-US" smtClean="0"/>
-              <a:t>2019-04-15</a:t>
+              <a:t>2019-04-16</a:t>
             </a:fld>
             <a:endParaRPr lang="ko-KR" altLang="en-US"/>
           </a:p>
@@ -2562,7 +2567,7 @@
           <a:p>
             <a:fld id="{BC4BD909-28EA-4943-A987-A1A5A2CD6CEC}" type="datetimeFigureOut">
               <a:rPr lang="ko-KR" altLang="en-US" smtClean="0"/>
-              <a:t>2019-04-15</a:t>
+              <a:t>2019-04-16</a:t>
             </a:fld>
             <a:endParaRPr lang="ko-KR" altLang="en-US"/>
           </a:p>
@@ -3549,8 +3554,8 @@
         </p:blipFill>
         <p:spPr>
           <a:xfrm>
-            <a:off x="5415116" y="862809"/>
-            <a:ext cx="6427839" cy="3959434"/>
+            <a:off x="5526554" y="862810"/>
+            <a:ext cx="5711717" cy="3025952"/>
           </a:xfrm>
           <a:prstGeom prst="rect">
             <a:avLst/>
@@ -3581,6 +3586,66 @@
           <a:xfrm>
             <a:off x="373936" y="3546604"/>
             <a:ext cx="4778682" cy="2792736"/>
+          </a:xfrm>
+          <a:prstGeom prst="rect">
+            <a:avLst/>
+          </a:prstGeom>
+        </p:spPr>
+      </p:pic>
+      <p:pic>
+        <p:nvPicPr>
+          <p:cNvPr id="3" name="그림 2"/>
+          <p:cNvPicPr>
+            <a:picLocks noChangeAspect="1"/>
+          </p:cNvPicPr>
+          <p:nvPr/>
+        </p:nvPicPr>
+        <p:blipFill>
+          <a:blip r:embed="rId5">
+            <a:extLst>
+              <a:ext uri="{28A0092B-C50C-407E-A947-70E740481C1C}">
+                <a14:useLocalDpi xmlns:a14="http://schemas.microsoft.com/office/drawing/2010/main" val="0"/>
+              </a:ext>
+            </a:extLst>
+          </a:blip>
+          <a:stretch>
+            <a:fillRect/>
+          </a:stretch>
+        </p:blipFill>
+        <p:spPr>
+          <a:xfrm>
+            <a:off x="5663380" y="3967316"/>
+            <a:ext cx="2142869" cy="2483273"/>
+          </a:xfrm>
+          <a:prstGeom prst="rect">
+            <a:avLst/>
+          </a:prstGeom>
+        </p:spPr>
+      </p:pic>
+      <p:pic>
+        <p:nvPicPr>
+          <p:cNvPr id="4" name="그림 3"/>
+          <p:cNvPicPr>
+            <a:picLocks noChangeAspect="1"/>
+          </p:cNvPicPr>
+          <p:nvPr/>
+        </p:nvPicPr>
+        <p:blipFill>
+          <a:blip r:embed="rId6">
+            <a:extLst>
+              <a:ext uri="{28A0092B-C50C-407E-A947-70E740481C1C}">
+                <a14:useLocalDpi xmlns:a14="http://schemas.microsoft.com/office/drawing/2010/main" val="0"/>
+              </a:ext>
+            </a:extLst>
+          </a:blip>
+          <a:stretch>
+            <a:fillRect/>
+          </a:stretch>
+        </p:blipFill>
+        <p:spPr>
+          <a:xfrm>
+            <a:off x="8572959" y="3992000"/>
+            <a:ext cx="1721013" cy="2458589"/>
           </a:xfrm>
           <a:prstGeom prst="rect">
             <a:avLst/>
